--- a/3 Meilenstein.pptx
+++ b/3 Meilenstein.pptx
@@ -11767,10 +11767,9 @@
           <a:p>
             <a:pPr lvl="2"/>
             <a:r>
-              <a:rPr lang="de-DE" sz="1500" dirty="0" err="1"/>
-              <a:t>Desginvorstellungen</a:t>
-            </a:r>
-            <a:endParaRPr lang="de-DE" sz="1500" dirty="0"/>
+              <a:rPr lang="de-DE" sz="1500" dirty="0"/>
+              <a:t>Designvorstellungen</a:t>
+            </a:r>
           </a:p>
           <a:p>
             <a:pPr lvl="1"/>
@@ -12117,6 +12116,86 @@
               </a14:hiddenFill>
             </a:ext>
           </a:extLst>
+        </p:spPr>
+      </p:pic>
+      <p:pic>
+        <p:nvPicPr>
+          <p:cNvPr id="2" name="Grafik 1">
+            <a:extLst>
+              <a:ext uri="{FF2B5EF4-FFF2-40B4-BE49-F238E27FC236}">
+                <a16:creationId xmlns:a16="http://schemas.microsoft.com/office/drawing/2014/main" id="{CF693889-2929-4F49-934E-7C11D8FD388C}"/>
+              </a:ext>
+            </a:extLst>
+          </p:cNvPr>
+          <p:cNvPicPr>
+            <a:picLocks noChangeAspect="1"/>
+          </p:cNvPicPr>
+          <p:nvPr/>
+        </p:nvPicPr>
+        <p:blipFill>
+          <a:blip r:embed="rId4"/>
+          <a:stretch>
+            <a:fillRect/>
+          </a:stretch>
+        </p:blipFill>
+        <p:spPr>
+          <a:xfrm>
+            <a:off x="299591" y="2038973"/>
+            <a:ext cx="4077089" cy="3104786"/>
+          </a:xfrm>
+          <a:prstGeom prst="rect">
+            <a:avLst/>
+          </a:prstGeom>
+          <a:ln>
+            <a:noFill/>
+          </a:ln>
+          <a:effectLst>
+            <a:outerShdw blurRad="292100" dist="139700" dir="2700000" algn="tl" rotWithShape="0">
+              <a:srgbClr val="333333">
+                <a:alpha val="65000"/>
+              </a:srgbClr>
+            </a:outerShdw>
+          </a:effectLst>
+        </p:spPr>
+      </p:pic>
+      <p:pic>
+        <p:nvPicPr>
+          <p:cNvPr id="3" name="Grafik 2">
+            <a:extLst>
+              <a:ext uri="{FF2B5EF4-FFF2-40B4-BE49-F238E27FC236}">
+                <a16:creationId xmlns:a16="http://schemas.microsoft.com/office/drawing/2014/main" id="{7A200978-07DD-459D-9D07-081FE5B3F881}"/>
+              </a:ext>
+            </a:extLst>
+          </p:cNvPr>
+          <p:cNvPicPr>
+            <a:picLocks noChangeAspect="1"/>
+          </p:cNvPicPr>
+          <p:nvPr/>
+        </p:nvPicPr>
+        <p:blipFill>
+          <a:blip r:embed="rId5"/>
+          <a:stretch>
+            <a:fillRect/>
+          </a:stretch>
+        </p:blipFill>
+        <p:spPr>
+          <a:xfrm>
+            <a:off x="4767321" y="2038973"/>
+            <a:ext cx="4022459" cy="3104787"/>
+          </a:xfrm>
+          <a:prstGeom prst="rect">
+            <a:avLst/>
+          </a:prstGeom>
+          <a:ln>
+            <a:noFill/>
+          </a:ln>
+          <a:effectLst>
+            <a:outerShdw blurRad="292100" dist="139700" dir="2700000" algn="tl" rotWithShape="0">
+              <a:srgbClr val="333333">
+                <a:alpha val="65000"/>
+              </a:srgbClr>
+            </a:outerShdw>
+          </a:effectLst>
         </p:spPr>
       </p:pic>
     </p:spTree>
@@ -12792,6 +12871,14 @@
             </a:r>
           </a:p>
           <a:p>
+            <a:pPr marL="648000" lvl="2" indent="0">
+              <a:buNone/>
+            </a:pPr>
+            <a:endParaRPr lang="de-DE" sz="1400" dirty="0">
+              <a:sym typeface="Wingdings" panose="05000000000000000000" pitchFamily="2" charset="2"/>
+            </a:endParaRPr>
+          </a:p>
+          <a:p>
             <a:r>
               <a:rPr lang="de-DE" dirty="0">
                 <a:sym typeface="Wingdings" panose="05000000000000000000" pitchFamily="2" charset="2"/>
@@ -13049,15 +13136,7 @@
             </a:pPr>
             <a:r>
               <a:rPr lang="de-AT" dirty="0"/>
-              <a:t>Inhaltliche Abstimmung für Poster &amp; </a:t>
-            </a:r>
-            <a:r>
-              <a:rPr lang="de-AT" dirty="0" err="1"/>
-              <a:t>Managemet</a:t>
-            </a:r>
-            <a:r>
-              <a:rPr lang="de-AT" dirty="0"/>
-              <a:t> Paper finalisiert</a:t>
+              <a:t>Inhaltliche Abstimmung für Poster &amp; Management Paper finalisiert</a:t>
             </a:r>
           </a:p>
           <a:p>
@@ -15100,7 +15179,7 @@
           <a:p>
             <a:r>
               <a:rPr lang="de-DE" dirty="0"/>
-              <a:t>Nächste Schritte</a:t>
+              <a:t>Nächste Schritte &amp; Termine</a:t>
             </a:r>
           </a:p>
           <a:p>
